--- a/Lab5/SE Demo Presentation.pptx
+++ b/Lab5/SE Demo Presentation.pptx
@@ -13063,10 +13063,10 @@
       </p:sp>
       <p:pic>
         <p:nvPicPr>
-          <p:cNvPr id="14" name="Picture 13">
-            <a:extLst>
-              <a:ext uri="{FF2B5EF4-FFF2-40B4-BE49-F238E27FC236}">
-                <a16:creationId xmlns:a16="http://schemas.microsoft.com/office/drawing/2014/main" id="{F9C2683A-8F17-4CA6-8446-E87EA273E113}"/>
+          <p:cNvPr id="3" name="Picture 2" descr="A close up of a map&#10;&#10;Description automatically generated">
+            <a:extLst>
+              <a:ext uri="{FF2B5EF4-FFF2-40B4-BE49-F238E27FC236}">
+                <a16:creationId xmlns:a16="http://schemas.microsoft.com/office/drawing/2014/main" id="{F4DC2FD0-2E7B-4550-9BCA-D043AC35D00F}"/>
               </a:ext>
             </a:extLst>
           </p:cNvPr>
@@ -13089,8 +13089,8 @@
         </p:blipFill>
         <p:spPr>
           <a:xfrm>
-            <a:off x="3223146" y="1474034"/>
-            <a:ext cx="7577993" cy="5038893"/>
+            <a:off x="3252476" y="1474034"/>
+            <a:ext cx="7519334" cy="5023588"/>
           </a:xfrm>
           <a:prstGeom prst="rect">
             <a:avLst/>

--- a/Lab5/SE Demo Presentation.pptx
+++ b/Lab5/SE Demo Presentation.pptx
@@ -5,7 +5,7 @@
     <p:sldMasterId id="2147483648" r:id="rId1"/>
   </p:sldMasterIdLst>
   <p:notesMasterIdLst>
-    <p:notesMasterId r:id="rId30"/>
+    <p:notesMasterId r:id="rId31"/>
   </p:notesMasterIdLst>
   <p:sldIdLst>
     <p:sldId id="256" r:id="rId2"/>
@@ -36,6 +36,7 @@
     <p:sldId id="285" r:id="rId27"/>
     <p:sldId id="292" r:id="rId28"/>
     <p:sldId id="288" r:id="rId29"/>
+    <p:sldId id="295" r:id="rId30"/>
   </p:sldIdLst>
   <p:sldSz cx="12192000" cy="6858000"/>
   <p:notesSz cx="6858000" cy="9144000"/>
@@ -224,7 +225,7 @@
           <a:p>
             <a:fld id="{419CF109-5BB9-4304-BBFB-9265EE7E5ED5}" type="datetimeFigureOut">
               <a:rPr lang="en-SG" smtClean="0"/>
-              <a:t>11/11/2019</a:t>
+              <a:t>12/11/2019</a:t>
             </a:fld>
             <a:endParaRPr lang="en-SG"/>
           </a:p>
@@ -1885,53 +1886,7 @@
           <a:bodyPr/>
           <a:lstStyle/>
           <a:p>
-            <a:r>
-              <a:rPr lang="en-SG" dirty="0"/>
-              <a:t>We decide to focus on developing an Android application using Java and XML as our front-end.</a:t>
-            </a:r>
-            <a:br>
-              <a:rPr lang="en-SG" dirty="0"/>
-            </a:br>
             <a:endParaRPr lang="en-SG" dirty="0"/>
-          </a:p>
-          <a:p>
-            <a:r>
-              <a:rPr lang="en-SG" dirty="0"/>
-              <a:t>Along with Android, we used various Google APIs to develop our application:</a:t>
-            </a:r>
-          </a:p>
-          <a:p>
-            <a:r>
-              <a:rPr lang="en-SG" dirty="0"/>
-              <a:t>Google Maps -&gt; for the geographic maps and location.</a:t>
-            </a:r>
-          </a:p>
-          <a:p>
-            <a:r>
-              <a:rPr lang="en-SG" dirty="0"/>
-              <a:t>Google Identity -&gt; for logging in with Google</a:t>
-            </a:r>
-          </a:p>
-          <a:p>
-            <a:r>
-              <a:rPr lang="en-SG" dirty="0"/>
-              <a:t>Google Places -&gt; Details for clinic (e.g. opening hours)</a:t>
-            </a:r>
-          </a:p>
-          <a:p>
-            <a:br>
-              <a:rPr lang="en-SG" dirty="0"/>
-            </a:br>
-            <a:r>
-              <a:rPr lang="en-SG" dirty="0"/>
-              <a:t>To handle our backend needs, we utilised the Firebase cloud platform.</a:t>
-            </a:r>
-          </a:p>
-          <a:p>
-            <a:r>
-              <a:rPr lang="en-SG" dirty="0"/>
-              <a:t>This helps to reduces the hassle of tinkering and setting up a conventional database and backend logic.</a:t>
-            </a:r>
           </a:p>
         </p:txBody>
       </p:sp>
@@ -2914,7 +2869,7 @@
           <a:p>
             <a:fld id="{2A3D5E47-909E-481F-949C-0C7D4DE543E4}" type="datetimeFigureOut">
               <a:rPr lang="en-SG" smtClean="0"/>
-              <a:t>11/11/2019</a:t>
+              <a:t>12/11/2019</a:t>
             </a:fld>
             <a:endParaRPr lang="en-SG"/>
           </a:p>
@@ -3126,7 +3081,7 @@
           <a:p>
             <a:fld id="{2A3D5E47-909E-481F-949C-0C7D4DE543E4}" type="datetimeFigureOut">
               <a:rPr lang="en-SG" smtClean="0"/>
-              <a:t>11/11/2019</a:t>
+              <a:t>12/11/2019</a:t>
             </a:fld>
             <a:endParaRPr lang="en-SG"/>
           </a:p>
@@ -3348,7 +3303,7 @@
           <a:p>
             <a:fld id="{2A3D5E47-909E-481F-949C-0C7D4DE543E4}" type="datetimeFigureOut">
               <a:rPr lang="en-SG" smtClean="0"/>
-              <a:t>11/11/2019</a:t>
+              <a:t>12/11/2019</a:t>
             </a:fld>
             <a:endParaRPr lang="en-SG"/>
           </a:p>
@@ -3560,7 +3515,7 @@
           <a:p>
             <a:fld id="{2A3D5E47-909E-481F-949C-0C7D4DE543E4}" type="datetimeFigureOut">
               <a:rPr lang="en-SG" smtClean="0"/>
-              <a:t>11/11/2019</a:t>
+              <a:t>12/11/2019</a:t>
             </a:fld>
             <a:endParaRPr lang="en-SG"/>
           </a:p>
@@ -3848,7 +3803,7 @@
           <a:p>
             <a:fld id="{2A3D5E47-909E-481F-949C-0C7D4DE543E4}" type="datetimeFigureOut">
               <a:rPr lang="en-SG" smtClean="0"/>
-              <a:t>11/11/2019</a:t>
+              <a:t>12/11/2019</a:t>
             </a:fld>
             <a:endParaRPr lang="en-SG"/>
           </a:p>
@@ -4128,7 +4083,7 @@
           <a:p>
             <a:fld id="{2A3D5E47-909E-481F-949C-0C7D4DE543E4}" type="datetimeFigureOut">
               <a:rPr lang="en-SG" smtClean="0"/>
-              <a:t>11/11/2019</a:t>
+              <a:t>12/11/2019</a:t>
             </a:fld>
             <a:endParaRPr lang="en-SG"/>
           </a:p>
@@ -4555,7 +4510,7 @@
           <a:p>
             <a:fld id="{2A3D5E47-909E-481F-949C-0C7D4DE543E4}" type="datetimeFigureOut">
               <a:rPr lang="en-SG" smtClean="0"/>
-              <a:t>11/11/2019</a:t>
+              <a:t>12/11/2019</a:t>
             </a:fld>
             <a:endParaRPr lang="en-SG"/>
           </a:p>
@@ -4709,7 +4664,7 @@
           <a:p>
             <a:fld id="{2A3D5E47-909E-481F-949C-0C7D4DE543E4}" type="datetimeFigureOut">
               <a:rPr lang="en-SG" smtClean="0"/>
-              <a:t>11/11/2019</a:t>
+              <a:t>12/11/2019</a:t>
             </a:fld>
             <a:endParaRPr lang="en-SG"/>
           </a:p>
@@ -4834,7 +4789,7 @@
           <a:p>
             <a:fld id="{2A3D5E47-909E-481F-949C-0C7D4DE543E4}" type="datetimeFigureOut">
               <a:rPr lang="en-SG" smtClean="0"/>
-              <a:t>11/11/2019</a:t>
+              <a:t>12/11/2019</a:t>
             </a:fld>
             <a:endParaRPr lang="en-SG"/>
           </a:p>
@@ -5159,7 +5114,7 @@
           <a:p>
             <a:fld id="{2A3D5E47-909E-481F-949C-0C7D4DE543E4}" type="datetimeFigureOut">
               <a:rPr lang="en-SG" smtClean="0"/>
-              <a:t>11/11/2019</a:t>
+              <a:t>12/11/2019</a:t>
             </a:fld>
             <a:endParaRPr lang="en-SG"/>
           </a:p>
@@ -5460,7 +5415,7 @@
           <a:p>
             <a:fld id="{2A3D5E47-909E-481F-949C-0C7D4DE543E4}" type="datetimeFigureOut">
               <a:rPr lang="en-SG" smtClean="0"/>
-              <a:t>11/11/2019</a:t>
+              <a:t>12/11/2019</a:t>
             </a:fld>
             <a:endParaRPr lang="en-SG"/>
           </a:p>
@@ -5721,7 +5676,7 @@
           <a:p>
             <a:fld id="{2A3D5E47-909E-481F-949C-0C7D4DE543E4}" type="datetimeFigureOut">
               <a:rPr lang="en-SG" smtClean="0"/>
-              <a:t>11/11/2019</a:t>
+              <a:t>12/11/2019</a:t>
             </a:fld>
             <a:endParaRPr lang="en-SG"/>
           </a:p>
@@ -18532,6 +18487,86 @@
       </p:par>
     </p:tnLst>
   </p:timing>
+</p:sld>
+</file>
+
+<file path=ppt/slides/slide29.xml><?xml version="1.0" encoding="utf-8"?>
+<p:sld xmlns:a="http://schemas.openxmlformats.org/drawingml/2006/main" xmlns:r="http://schemas.openxmlformats.org/officeDocument/2006/relationships" xmlns:p="http://schemas.openxmlformats.org/presentationml/2006/main">
+  <p:cSld>
+    <p:spTree>
+      <p:nvGrpSpPr>
+        <p:cNvPr id="1" name=""/>
+        <p:cNvGrpSpPr/>
+        <p:nvPr/>
+      </p:nvGrpSpPr>
+      <p:grpSpPr>
+        <a:xfrm>
+          <a:off x="0" y="0"/>
+          <a:ext cx="0" cy="0"/>
+          <a:chOff x="0" y="0"/>
+          <a:chExt cx="0" cy="0"/>
+        </a:xfrm>
+      </p:grpSpPr>
+      <p:sp>
+        <p:nvSpPr>
+          <p:cNvPr id="5" name="TextBox 4">
+            <a:extLst>
+              <a:ext uri="{FF2B5EF4-FFF2-40B4-BE49-F238E27FC236}">
+                <a16:creationId xmlns:a16="http://schemas.microsoft.com/office/drawing/2014/main" id="{845EED03-F7BD-446C-BD46-8A9FE66EE486}"/>
+              </a:ext>
+            </a:extLst>
+          </p:cNvPr>
+          <p:cNvSpPr txBox="1"/>
+          <p:nvPr/>
+        </p:nvSpPr>
+        <p:spPr>
+          <a:xfrm>
+            <a:off x="1526279" y="2705725"/>
+            <a:ext cx="9139442" cy="1446550"/>
+          </a:xfrm>
+          <a:prstGeom prst="rect">
+            <a:avLst/>
+          </a:prstGeom>
+          <a:noFill/>
+        </p:spPr>
+        <p:txBody>
+          <a:bodyPr wrap="square" rtlCol="0">
+            <a:spAutoFit/>
+          </a:bodyPr>
+          <a:lstStyle/>
+          <a:p>
+            <a:pPr algn="ctr"/>
+            <a:r>
+              <a:rPr lang="en-SG" sz="8800" dirty="0">
+                <a:latin typeface="Forte" panose="03060902040502070203" pitchFamily="66" charset="0"/>
+              </a:rPr>
+              <a:t>Q&amp;A</a:t>
+            </a:r>
+          </a:p>
+        </p:txBody>
+      </p:sp>
+    </p:spTree>
+    <p:extLst>
+      <p:ext uri="{BB962C8B-B14F-4D97-AF65-F5344CB8AC3E}">
+        <p14:creationId xmlns:p14="http://schemas.microsoft.com/office/powerpoint/2010/main" val="2961782985"/>
+      </p:ext>
+    </p:extLst>
+  </p:cSld>
+  <p:clrMapOvr>
+    <a:masterClrMapping/>
+  </p:clrMapOvr>
+  <mc:AlternateContent xmlns:mc="http://schemas.openxmlformats.org/markup-compatibility/2006" xmlns:p159="http://schemas.microsoft.com/office/powerpoint/2015/09/main">
+    <mc:Choice Requires="p159">
+      <p:transition>
+        <p159:morph option="byObject"/>
+      </p:transition>
+    </mc:Choice>
+    <mc:Fallback xmlns="">
+      <p:transition>
+        <p:fade/>
+      </p:transition>
+    </mc:Fallback>
+  </mc:AlternateContent>
 </p:sld>
 </file>
 
